--- a/DsDotNet/src/UnitTest/UnitTest.Model/ImportOfficeExample/Sample/Sub/Sub/Line.pptx
+++ b/DsDotNet/src/UnitTest/UnitTest.Model/ImportOfficeExample/Sample/Sub/Sub/Line.pptx
@@ -216,7 +216,7 @@
           <a:p>
             <a:fld id="{DD503887-5801-43A0-AEF9-041E8DDC2558}" type="datetimeFigureOut">
               <a:rPr lang="ko-KR" altLang="en-US" smtClean="0"/>
-              <a:t>2024-05-29</a:t>
+              <a:t>2024-05-30</a:t>
             </a:fld>
             <a:endParaRPr lang="ko-KR" altLang="en-US" dirty="0"/>
           </a:p>
@@ -393,7 +393,7 @@
           <a:p>
             <a:fld id="{95336A0E-57B1-4D4C-BD9B-2F72B5943464}" type="datetimeFigureOut">
               <a:rPr lang="ko-KR" altLang="en-US" smtClean="0"/>
-              <a:t>2024-05-29</a:t>
+              <a:t>2024-05-30</a:t>
             </a:fld>
             <a:endParaRPr lang="ko-KR" altLang="en-US" dirty="0"/>
           </a:p>
@@ -2367,10 +2367,10 @@
       </p:grpSpPr>
       <p:grpSp>
         <p:nvGrpSpPr>
-          <p:cNvPr id="20" name="그룹 19">
+          <p:cNvPr id="8" name="그룹 7">
             <a:extLst>
               <a:ext uri="{FF2B5EF4-FFF2-40B4-BE49-F238E27FC236}">
-                <a16:creationId xmlns:a16="http://schemas.microsoft.com/office/drawing/2014/main" id="{40FCB1F1-0A42-3CDA-694E-08F767576BCD}"/>
+                <a16:creationId xmlns:a16="http://schemas.microsoft.com/office/drawing/2014/main" id="{95B08655-A677-BE19-A051-97B97BDD1520}"/>
               </a:ext>
             </a:extLst>
           </p:cNvPr>
@@ -2379,9 +2379,9 @@
         </p:nvGrpSpPr>
         <p:grpSpPr>
           <a:xfrm>
-            <a:off x="4828655" y="738076"/>
+            <a:off x="3720234" y="2096302"/>
             <a:ext cx="2843372" cy="1026756"/>
-            <a:chOff x="4828655" y="738076"/>
+            <a:chOff x="4592689" y="829565"/>
             <a:chExt cx="2843372" cy="1026756"/>
           </a:xfrm>
         </p:grpSpPr>
@@ -2399,7 +2399,7 @@
           </p:nvSpPr>
           <p:spPr>
             <a:xfrm>
-              <a:off x="4828655" y="738076"/>
+              <a:off x="4592689" y="829565"/>
               <a:ext cx="2843372" cy="1026756"/>
             </a:xfrm>
             <a:prstGeom prst="rect">
@@ -2451,7 +2451,7 @@
           </p:nvCxnSpPr>
           <p:spPr>
             <a:xfrm>
-              <a:off x="6130245" y="1256083"/>
+              <a:off x="5894279" y="1347572"/>
               <a:ext cx="240192" cy="3485"/>
             </a:xfrm>
             <a:prstGeom prst="straightConnector1">
@@ -2490,7 +2490,7 @@
           </p:nvSpPr>
           <p:spPr>
             <a:xfrm>
-              <a:off x="5103264" y="959788"/>
+              <a:off x="4867298" y="1051277"/>
               <a:ext cx="1026981" cy="592589"/>
             </a:xfrm>
             <a:prstGeom prst="ellipse">
@@ -2546,7 +2546,7 @@
           </p:nvSpPr>
           <p:spPr>
             <a:xfrm>
-              <a:off x="6370437" y="963273"/>
+              <a:off x="6134471" y="1054762"/>
               <a:ext cx="1026981" cy="592589"/>
             </a:xfrm>
             <a:prstGeom prst="ellipse">
@@ -2697,7 +2697,7 @@
           </a:xfrm>
           <a:prstGeom prst="foldedCorner">
             <a:avLst>
-              <a:gd name="adj" fmla="val 0"/>
+              <a:gd name="adj" fmla="val 24011"/>
             </a:avLst>
           </a:prstGeom>
           <a:solidFill>
@@ -2762,7 +2762,7 @@
           </a:xfrm>
           <a:prstGeom prst="foldedCorner">
             <a:avLst>
-              <a:gd name="adj" fmla="val 0"/>
+              <a:gd name="adj" fmla="val 27143"/>
             </a:avLst>
           </a:prstGeom>
           <a:solidFill>
@@ -2826,15 +2826,16 @@
         </p:nvCxnSpPr>
         <p:spPr>
           <a:xfrm>
-            <a:off x="3833766" y="2354554"/>
-            <a:ext cx="922670" cy="830346"/>
+            <a:off x="2561365" y="3636232"/>
+            <a:ext cx="1152599" cy="992558"/>
           </a:xfrm>
           <a:prstGeom prst="bentConnector3">
             <a:avLst/>
           </a:prstGeom>
-          <a:ln w="38100">
-            <a:headEnd type="diamond" w="med" len="med"/>
-            <a:tailEnd type="triangle" w="med" len="med"/>
+          <a:ln w="25400">
+            <a:prstDash val="solid"/>
+            <a:headEnd w="lg" len="lg"/>
+            <a:tailEnd type="triangle" w="lg" len="lg"/>
           </a:ln>
         </p:spPr>
         <p:style>
@@ -2854,10 +2855,58 @@
       </p:cxnSp>
       <p:sp>
         <p:nvSpPr>
-          <p:cNvPr id="8" name="화살표: 오각형 7">
+          <p:cNvPr id="9" name="직사각형 8">
             <a:extLst>
               <a:ext uri="{FF2B5EF4-FFF2-40B4-BE49-F238E27FC236}">
-                <a16:creationId xmlns:a16="http://schemas.microsoft.com/office/drawing/2014/main" id="{585D2C86-56B4-22F9-7A01-B3461C527D7B}"/>
+                <a16:creationId xmlns:a16="http://schemas.microsoft.com/office/drawing/2014/main" id="{AC82B6DB-F54D-891A-7921-45D0439999B8}"/>
+              </a:ext>
+            </a:extLst>
+          </p:cNvPr>
+          <p:cNvSpPr/>
+          <p:nvPr/>
+        </p:nvSpPr>
+        <p:spPr>
+          <a:xfrm>
+            <a:off x="1515057" y="3371608"/>
+            <a:ext cx="1046308" cy="529248"/>
+          </a:xfrm>
+          <a:prstGeom prst="rect">
+            <a:avLst/>
+          </a:prstGeom>
+          <a:ln w="38100"/>
+        </p:spPr>
+        <p:style>
+          <a:lnRef idx="3">
+            <a:schemeClr val="lt1"/>
+          </a:lnRef>
+          <a:fillRef idx="1">
+            <a:schemeClr val="dk1"/>
+          </a:fillRef>
+          <a:effectRef idx="1">
+            <a:schemeClr val="dk1"/>
+          </a:effectRef>
+          <a:fontRef idx="minor">
+            <a:schemeClr val="lt1"/>
+          </a:fontRef>
+        </p:style>
+        <p:txBody>
+          <a:bodyPr rtlCol="0" anchor="ctr"/>
+          <a:lstStyle/>
+          <a:p>
+            <a:pPr algn="ctr"/>
+            <a:r>
+              <a:rPr lang="en-US" altLang="ko-KR" sz="1200" dirty="0"/>
+              <a:t>START</a:t>
+            </a:r>
+          </a:p>
+        </p:txBody>
+      </p:sp>
+      <p:sp>
+        <p:nvSpPr>
+          <p:cNvPr id="13" name="화살표: 오각형 12">
+            <a:extLst>
+              <a:ext uri="{FF2B5EF4-FFF2-40B4-BE49-F238E27FC236}">
+                <a16:creationId xmlns:a16="http://schemas.microsoft.com/office/drawing/2014/main" id="{3BB213C0-2C91-5296-951C-3CBB0CAC2521}"/>
               </a:ext>
             </a:extLst>
           </p:cNvPr>
@@ -2866,7 +2915,7 @@
         </p:nvSpPr>
         <p:spPr>
           <a:xfrm flipH="1">
-            <a:off x="-343191" y="2634119"/>
+            <a:off x="66841" y="1249315"/>
             <a:ext cx="2164589" cy="592588"/>
           </a:xfrm>
           <a:prstGeom prst="homePlate">
@@ -2902,169 +2951,7 @@
             <a:pPr algn="ctr"/>
             <a:r>
               <a:rPr lang="en-US" altLang="ko-KR" sz="1200" dirty="0"/>
-              <a:t>RESET</a:t>
-            </a:r>
-          </a:p>
-          <a:p>
-            <a:pPr algn="ctr"/>
-            <a:r>
-              <a:rPr lang="en-US" altLang="ko-KR" sz="1200" dirty="0"/>
-              <a:t>[RESET</a:t>
-            </a:r>
-          </a:p>
-          <a:p>
-            <a:pPr algn="ctr"/>
-            <a:r>
-              <a:rPr lang="en-US" altLang="ko-KR" sz="1200" dirty="0"/>
-              <a:t>~ RESET]</a:t>
-            </a:r>
-            <a:endParaRPr lang="ko-KR" altLang="en-US" sz="1200" dirty="0"/>
-          </a:p>
-        </p:txBody>
-      </p:sp>
-      <p:sp>
-        <p:nvSpPr>
-          <p:cNvPr id="9" name="직사각형 8">
-            <a:extLst>
-              <a:ext uri="{FF2B5EF4-FFF2-40B4-BE49-F238E27FC236}">
-                <a16:creationId xmlns:a16="http://schemas.microsoft.com/office/drawing/2014/main" id="{AC82B6DB-F54D-891A-7921-45D0439999B8}"/>
-              </a:ext>
-            </a:extLst>
-          </p:cNvPr>
-          <p:cNvSpPr/>
-          <p:nvPr/>
-        </p:nvSpPr>
-        <p:spPr>
-          <a:xfrm>
-            <a:off x="2787458" y="2089930"/>
-            <a:ext cx="1046308" cy="529248"/>
-          </a:xfrm>
-          <a:prstGeom prst="rect">
-            <a:avLst/>
-          </a:prstGeom>
-          <a:ln w="38100"/>
-        </p:spPr>
-        <p:style>
-          <a:lnRef idx="3">
-            <a:schemeClr val="lt1"/>
-          </a:lnRef>
-          <a:fillRef idx="1">
-            <a:schemeClr val="dk1"/>
-          </a:fillRef>
-          <a:effectRef idx="1">
-            <a:schemeClr val="dk1"/>
-          </a:effectRef>
-          <a:fontRef idx="minor">
-            <a:schemeClr val="lt1"/>
-          </a:fontRef>
-        </p:style>
-        <p:txBody>
-          <a:bodyPr rtlCol="0" anchor="ctr"/>
-          <a:lstStyle/>
-          <a:p>
-            <a:pPr algn="ctr"/>
-            <a:r>
-              <a:rPr lang="en-US" altLang="ko-KR" sz="1200" dirty="0"/>
-              <a:t>START</a:t>
-            </a:r>
-          </a:p>
-        </p:txBody>
-      </p:sp>
-      <p:cxnSp>
-        <p:nvCxnSpPr>
-          <p:cNvPr id="10" name="연결선: 꺾임 9">
-            <a:extLst>
-              <a:ext uri="{FF2B5EF4-FFF2-40B4-BE49-F238E27FC236}">
-                <a16:creationId xmlns:a16="http://schemas.microsoft.com/office/drawing/2014/main" id="{40857E99-B2FE-8425-DFCD-E04E3F1355B3}"/>
-              </a:ext>
-            </a:extLst>
-          </p:cNvPr>
-          <p:cNvCxnSpPr>
-            <a:cxnSpLocks/>
-            <a:stCxn id="9" idx="3"/>
-            <a:endCxn id="15" idx="1"/>
-          </p:cNvCxnSpPr>
-          <p:nvPr/>
-        </p:nvCxnSpPr>
-        <p:spPr>
-          <a:xfrm flipV="1">
-            <a:off x="3833766" y="1251454"/>
-            <a:ext cx="994889" cy="1103100"/>
-          </a:xfrm>
-          <a:prstGeom prst="bentConnector3">
-            <a:avLst/>
-          </a:prstGeom>
-          <a:ln w="38100">
-            <a:headEnd type="diamond" w="med" len="med"/>
-            <a:tailEnd type="triangle" w="med" len="med"/>
-          </a:ln>
-        </p:spPr>
-        <p:style>
-          <a:lnRef idx="1">
-            <a:schemeClr val="accent1"/>
-          </a:lnRef>
-          <a:fillRef idx="0">
-            <a:schemeClr val="accent1"/>
-          </a:fillRef>
-          <a:effectRef idx="0">
-            <a:schemeClr val="accent1"/>
-          </a:effectRef>
-          <a:fontRef idx="minor">
-            <a:schemeClr val="tx1"/>
-          </a:fontRef>
-        </p:style>
-      </p:cxnSp>
-      <p:sp>
-        <p:nvSpPr>
-          <p:cNvPr id="13" name="화살표: 오각형 12">
-            <a:extLst>
-              <a:ext uri="{FF2B5EF4-FFF2-40B4-BE49-F238E27FC236}">
-                <a16:creationId xmlns:a16="http://schemas.microsoft.com/office/drawing/2014/main" id="{3BB213C0-2C91-5296-951C-3CBB0CAC2521}"/>
-              </a:ext>
-            </a:extLst>
-          </p:cNvPr>
-          <p:cNvSpPr/>
-          <p:nvPr/>
-        </p:nvSpPr>
-        <p:spPr>
-          <a:xfrm flipH="1">
-            <a:off x="-343191" y="1707348"/>
-            <a:ext cx="2164589" cy="592588"/>
-          </a:xfrm>
-          <a:prstGeom prst="homePlate">
-            <a:avLst/>
-          </a:prstGeom>
-          <a:solidFill>
-            <a:schemeClr val="accent4">
-              <a:alpha val="50000"/>
-            </a:schemeClr>
-          </a:solidFill>
-          <a:ln>
-            <a:noFill/>
-          </a:ln>
-        </p:spPr>
-        <p:style>
-          <a:lnRef idx="0">
-            <a:scrgbClr r="0" g="0" b="0"/>
-          </a:lnRef>
-          <a:fillRef idx="0">
-            <a:scrgbClr r="0" g="0" b="0"/>
-          </a:fillRef>
-          <a:effectRef idx="0">
-            <a:scrgbClr r="0" g="0" b="0"/>
-          </a:effectRef>
-          <a:fontRef idx="minor">
-            <a:schemeClr val="lt1"/>
-          </a:fontRef>
-        </p:style>
-        <p:txBody>
-          <a:bodyPr rtlCol="0" anchor="ctr"/>
-          <a:lstStyle/>
-          <a:p>
-            <a:pPr algn="ctr"/>
-            <a:r>
-              <a:rPr lang="en-US" altLang="ko-KR" sz="1200" dirty="0"/>
-              <a:t>START</a:t>
+              <a:t>RUN</a:t>
             </a:r>
           </a:p>
           <a:p>
@@ -3078,7 +2965,7 @@
             <a:pPr algn="ctr"/>
             <a:r>
               <a:rPr lang="en-US" altLang="ko-KR" sz="1200" dirty="0"/>
-              <a:t>~FINISH]</a:t>
+              <a:t>~ FINISH]</a:t>
             </a:r>
             <a:endParaRPr lang="ko-KR" altLang="en-US" sz="1200" dirty="0"/>
           </a:p>
@@ -3098,7 +2985,7 @@
         </p:nvSpPr>
         <p:spPr>
           <a:xfrm>
-            <a:off x="8445012" y="2076240"/>
+            <a:off x="7572557" y="3342977"/>
             <a:ext cx="1046308" cy="529248"/>
           </a:xfrm>
           <a:prstGeom prst="rect">
@@ -3134,24 +3021,24 @@
       </p:sp>
       <p:cxnSp>
         <p:nvCxnSpPr>
-          <p:cNvPr id="59" name="연결선: 꺾임 58">
+          <p:cNvPr id="60" name="연결선: 꺾임 59">
             <a:extLst>
               <a:ext uri="{FF2B5EF4-FFF2-40B4-BE49-F238E27FC236}">
-                <a16:creationId xmlns:a16="http://schemas.microsoft.com/office/drawing/2014/main" id="{7CFC112D-F460-F941-1EA6-978D61849DA6}"/>
+                <a16:creationId xmlns:a16="http://schemas.microsoft.com/office/drawing/2014/main" id="{9B1E5535-ABC0-D54E-1C07-EFA8612DFA64}"/>
               </a:ext>
             </a:extLst>
           </p:cNvPr>
           <p:cNvCxnSpPr>
             <a:cxnSpLocks/>
-            <a:stCxn id="64" idx="3"/>
+            <a:stCxn id="15" idx="3"/>
             <a:endCxn id="58" idx="1"/>
           </p:cNvCxnSpPr>
           <p:nvPr/>
         </p:nvCxnSpPr>
         <p:spPr>
-          <a:xfrm flipV="1">
-            <a:off x="7599808" y="2340864"/>
-            <a:ext cx="845204" cy="844036"/>
+          <a:xfrm>
+            <a:off x="6563606" y="2609680"/>
+            <a:ext cx="1008951" cy="997921"/>
           </a:xfrm>
           <a:prstGeom prst="bentConnector3">
             <a:avLst>
@@ -3178,106 +3065,12 @@
           </a:fontRef>
         </p:style>
       </p:cxnSp>
-      <p:cxnSp>
-        <p:nvCxnSpPr>
-          <p:cNvPr id="60" name="연결선: 꺾임 59">
+      <p:grpSp>
+        <p:nvGrpSpPr>
+          <p:cNvPr id="6" name="그룹 5">
             <a:extLst>
               <a:ext uri="{FF2B5EF4-FFF2-40B4-BE49-F238E27FC236}">
-                <a16:creationId xmlns:a16="http://schemas.microsoft.com/office/drawing/2014/main" id="{9B1E5535-ABC0-D54E-1C07-EFA8612DFA64}"/>
-              </a:ext>
-            </a:extLst>
-          </p:cNvPr>
-          <p:cNvCxnSpPr>
-            <a:cxnSpLocks/>
-            <a:stCxn id="15" idx="3"/>
-            <a:endCxn id="58" idx="1"/>
-          </p:cNvCxnSpPr>
-          <p:nvPr/>
-        </p:nvCxnSpPr>
-        <p:spPr>
-          <a:xfrm>
-            <a:off x="7672027" y="1251454"/>
-            <a:ext cx="772985" cy="1089410"/>
-          </a:xfrm>
-          <a:prstGeom prst="bentConnector3">
-            <a:avLst>
-              <a:gd name="adj1" fmla="val 50000"/>
-            </a:avLst>
-          </a:prstGeom>
-          <a:ln w="38100">
-            <a:headEnd type="diamond" w="med" len="med"/>
-            <a:tailEnd type="triangle" w="med" len="med"/>
-          </a:ln>
-        </p:spPr>
-        <p:style>
-          <a:lnRef idx="1">
-            <a:schemeClr val="accent1"/>
-          </a:lnRef>
-          <a:fillRef idx="0">
-            <a:schemeClr val="accent1"/>
-          </a:fillRef>
-          <a:effectRef idx="0">
-            <a:schemeClr val="accent1"/>
-          </a:effectRef>
-          <a:fontRef idx="minor">
-            <a:schemeClr val="tx1"/>
-          </a:fontRef>
-        </p:style>
-      </p:cxnSp>
-      <p:sp>
-        <p:nvSpPr>
-          <p:cNvPr id="17" name="직사각형 16">
-            <a:extLst>
-              <a:ext uri="{FF2B5EF4-FFF2-40B4-BE49-F238E27FC236}">
-                <a16:creationId xmlns:a16="http://schemas.microsoft.com/office/drawing/2014/main" id="{3C62DA0C-F92A-B24E-4F38-B15ABE37BDD0}"/>
-              </a:ext>
-            </a:extLst>
-          </p:cNvPr>
-          <p:cNvSpPr/>
-          <p:nvPr/>
-        </p:nvSpPr>
-        <p:spPr>
-          <a:xfrm>
-            <a:off x="5872893" y="4612963"/>
-            <a:ext cx="1046308" cy="529248"/>
-          </a:xfrm>
-          <a:prstGeom prst="rect">
-            <a:avLst/>
-          </a:prstGeom>
-          <a:ln w="38100"/>
-        </p:spPr>
-        <p:style>
-          <a:lnRef idx="3">
-            <a:schemeClr val="lt1"/>
-          </a:lnRef>
-          <a:fillRef idx="1">
-            <a:schemeClr val="dk1"/>
-          </a:fillRef>
-          <a:effectRef idx="1">
-            <a:schemeClr val="dk1"/>
-          </a:effectRef>
-          <a:fontRef idx="minor">
-            <a:schemeClr val="lt1"/>
-          </a:fontRef>
-        </p:style>
-        <p:txBody>
-          <a:bodyPr rtlCol="0" anchor="ctr"/>
-          <a:lstStyle/>
-          <a:p>
-            <a:pPr algn="ctr"/>
-            <a:r>
-              <a:rPr lang="en-US" altLang="ko-KR" sz="1200" dirty="0"/>
-              <a:t>RESET</a:t>
-            </a:r>
-          </a:p>
-        </p:txBody>
-      </p:sp>
-      <p:grpSp>
-        <p:nvGrpSpPr>
-          <p:cNvPr id="19" name="그룹 18">
-            <a:extLst>
-              <a:ext uri="{FF2B5EF4-FFF2-40B4-BE49-F238E27FC236}">
-                <a16:creationId xmlns:a16="http://schemas.microsoft.com/office/drawing/2014/main" id="{73930422-2AA8-F30E-75D7-B8DD33C9B707}"/>
+                <a16:creationId xmlns:a16="http://schemas.microsoft.com/office/drawing/2014/main" id="{0CEC7099-E5B4-6FA8-BFC4-E33AA81819C0}"/>
               </a:ext>
             </a:extLst>
           </p:cNvPr>
@@ -3286,9 +3079,9 @@
         </p:nvGrpSpPr>
         <p:grpSpPr>
           <a:xfrm>
-            <a:off x="4756436" y="2671522"/>
+            <a:off x="3713964" y="4115412"/>
             <a:ext cx="2843372" cy="1026756"/>
-            <a:chOff x="4756436" y="2671522"/>
+            <a:chOff x="4586419" y="2848675"/>
             <a:chExt cx="2843372" cy="1026756"/>
           </a:xfrm>
         </p:grpSpPr>
@@ -3306,7 +3099,7 @@
           </p:nvSpPr>
           <p:spPr>
             <a:xfrm>
-              <a:off x="4756436" y="2671522"/>
+              <a:off x="4586419" y="2848675"/>
               <a:ext cx="2843372" cy="1026756"/>
             </a:xfrm>
             <a:prstGeom prst="rect">
@@ -3358,7 +3151,7 @@
           </p:nvCxnSpPr>
           <p:spPr>
             <a:xfrm>
-              <a:off x="6058026" y="3189529"/>
+              <a:off x="5888009" y="3366682"/>
               <a:ext cx="240192" cy="3485"/>
             </a:xfrm>
             <a:prstGeom prst="straightConnector1">
@@ -3397,7 +3190,7 @@
           </p:nvSpPr>
           <p:spPr>
             <a:xfrm>
-              <a:off x="5031045" y="2893234"/>
+              <a:off x="4861028" y="3070387"/>
               <a:ext cx="1026981" cy="592589"/>
             </a:xfrm>
             <a:prstGeom prst="ellipse">
@@ -3453,7 +3246,7 @@
           </p:nvSpPr>
           <p:spPr>
             <a:xfrm>
-              <a:off x="6298218" y="2896719"/>
+              <a:off x="6128201" y="3073872"/>
               <a:ext cx="1026981" cy="592589"/>
             </a:xfrm>
             <a:prstGeom prst="ellipse">
@@ -3498,31 +3291,34 @@
       </p:grpSp>
       <p:cxnSp>
         <p:nvCxnSpPr>
-          <p:cNvPr id="4" name="연결선: 꺾임 3">
+          <p:cNvPr id="23" name="연결선: 꺾임 22">
             <a:extLst>
               <a:ext uri="{FF2B5EF4-FFF2-40B4-BE49-F238E27FC236}">
-                <a16:creationId xmlns:a16="http://schemas.microsoft.com/office/drawing/2014/main" id="{4051C834-E9B9-CFD7-E0DF-03B604D65A86}"/>
+                <a16:creationId xmlns:a16="http://schemas.microsoft.com/office/drawing/2014/main" id="{90AAABC3-0813-4CFD-04CB-46497146CEE9}"/>
               </a:ext>
             </a:extLst>
           </p:cNvPr>
           <p:cNvCxnSpPr>
             <a:cxnSpLocks/>
-            <a:stCxn id="17" idx="1"/>
-            <a:endCxn id="9" idx="2"/>
+            <a:stCxn id="9" idx="3"/>
+            <a:endCxn id="15" idx="1"/>
           </p:cNvCxnSpPr>
           <p:nvPr/>
         </p:nvCxnSpPr>
         <p:spPr>
-          <a:xfrm rot="10800000">
-            <a:off x="3310613" y="2619179"/>
-            <a:ext cx="2562281" cy="2258409"/>
+          <a:xfrm flipV="1">
+            <a:off x="2561365" y="2609680"/>
+            <a:ext cx="1158869" cy="1026552"/>
           </a:xfrm>
-          <a:prstGeom prst="bentConnector2">
-            <a:avLst/>
+          <a:prstGeom prst="bentConnector3">
+            <a:avLst>
+              <a:gd name="adj1" fmla="val 50000"/>
+            </a:avLst>
           </a:prstGeom>
-          <a:ln w="38100">
-            <a:prstDash val="dash"/>
-            <a:tailEnd type="triangle"/>
+          <a:ln w="25400">
+            <a:prstDash val="solid"/>
+            <a:headEnd w="lg" len="lg"/>
+            <a:tailEnd type="triangle" w="lg" len="lg"/>
           </a:ln>
         </p:spPr>
         <p:style>
@@ -3542,27 +3338,75 @@
       </p:cxnSp>
       <p:cxnSp>
         <p:nvCxnSpPr>
-          <p:cNvPr id="12" name="연결선: 꺾임 11">
+          <p:cNvPr id="35" name="연결선: 꺾임 34">
             <a:extLst>
               <a:ext uri="{FF2B5EF4-FFF2-40B4-BE49-F238E27FC236}">
-                <a16:creationId xmlns:a16="http://schemas.microsoft.com/office/drawing/2014/main" id="{97976C07-81F7-4ECA-7B00-0E3059E45C2E}"/>
+                <a16:creationId xmlns:a16="http://schemas.microsoft.com/office/drawing/2014/main" id="{7CFC112D-F460-F941-1EA6-978D61849DA6}"/>
               </a:ext>
             </a:extLst>
           </p:cNvPr>
           <p:cNvCxnSpPr>
             <a:cxnSpLocks/>
-            <a:stCxn id="17" idx="3"/>
+            <a:stCxn id="64" idx="3"/>
+            <a:endCxn id="58" idx="1"/>
+          </p:cNvCxnSpPr>
+          <p:nvPr/>
+        </p:nvCxnSpPr>
+        <p:spPr>
+          <a:xfrm flipV="1">
+            <a:off x="6557336" y="3607601"/>
+            <a:ext cx="1015221" cy="1021189"/>
+          </a:xfrm>
+          <a:prstGeom prst="bentConnector3">
+            <a:avLst>
+              <a:gd name="adj1" fmla="val 50000"/>
+            </a:avLst>
+          </a:prstGeom>
+          <a:ln w="38100">
+            <a:headEnd type="diamond" w="med" len="med"/>
+            <a:tailEnd type="triangle" w="med" len="med"/>
+          </a:ln>
+        </p:spPr>
+        <p:style>
+          <a:lnRef idx="1">
+            <a:schemeClr val="accent1"/>
+          </a:lnRef>
+          <a:fillRef idx="0">
+            <a:schemeClr val="accent1"/>
+          </a:fillRef>
+          <a:effectRef idx="0">
+            <a:schemeClr val="accent1"/>
+          </a:effectRef>
+          <a:fontRef idx="minor">
+            <a:schemeClr val="tx1"/>
+          </a:fontRef>
+        </p:style>
+      </p:cxnSp>
+      <p:cxnSp>
+        <p:nvCxnSpPr>
+          <p:cNvPr id="10" name="연결선: 꺾임 9">
+            <a:extLst>
+              <a:ext uri="{FF2B5EF4-FFF2-40B4-BE49-F238E27FC236}">
+                <a16:creationId xmlns:a16="http://schemas.microsoft.com/office/drawing/2014/main" id="{904EFD40-2E4B-BD87-4F30-72C292F8310C}"/>
+              </a:ext>
+            </a:extLst>
+          </p:cNvPr>
+          <p:cNvCxnSpPr>
+            <a:cxnSpLocks/>
+            <a:stCxn id="9" idx="2"/>
             <a:endCxn id="58" idx="2"/>
           </p:cNvCxnSpPr>
           <p:nvPr/>
         </p:nvCxnSpPr>
         <p:spPr>
-          <a:xfrm flipV="1">
-            <a:off x="6919201" y="2605488"/>
-            <a:ext cx="2048965" cy="2272099"/>
+          <a:xfrm rot="5400000" flipH="1" flipV="1">
+            <a:off x="5052645" y="857791"/>
+            <a:ext cx="28631" cy="6057500"/>
           </a:xfrm>
-          <a:prstGeom prst="bentConnector2">
-            <a:avLst/>
+          <a:prstGeom prst="bentConnector3">
+            <a:avLst>
+              <a:gd name="adj1" fmla="val -6512015"/>
+            </a:avLst>
           </a:prstGeom>
           <a:ln w="25400">
             <a:prstDash val="dash"/>
